--- a/Calculations.pptx
+++ b/Calculations.pptx
@@ -7,6 +7,9 @@
   <p:sldIdLst>
     <p:sldId id="256" r:id="rId2"/>
     <p:sldId id="257" r:id="rId3"/>
+    <p:sldId id="258" r:id="rId4"/>
+    <p:sldId id="259" r:id="rId5"/>
+    <p:sldId id="260" r:id="rId6"/>
   </p:sldIdLst>
   <p:sldSz cx="12192000" cy="6858000"/>
   <p:notesSz cx="6858000" cy="9144000"/>
@@ -105,6 +108,11 @@
       </a:defRPr>
     </a:lvl9pPr>
   </p:defaultTextStyle>
+  <p:extLst>
+    <p:ext uri="{EFAFB233-063F-42B5-8137-9DF3F51BA10A}">
+      <p15:sldGuideLst xmlns:p15="http://schemas.microsoft.com/office/powerpoint/2012/main"/>
+    </p:ext>
+  </p:extLst>
 </p:presentation>
 </file>
 
@@ -257,7 +265,7 @@
           <a:p>
             <a:fld id="{89206D95-02B4-4761-AC7A-6E3A6C701D8C}" type="datetimeFigureOut">
               <a:rPr lang="en-IN" smtClean="0"/>
-              <a:t>17-06-2021</a:t>
+              <a:t>21-06-2021</a:t>
             </a:fld>
             <a:endParaRPr lang="en-IN"/>
           </a:p>
@@ -457,7 +465,7 @@
           <a:p>
             <a:fld id="{89206D95-02B4-4761-AC7A-6E3A6C701D8C}" type="datetimeFigureOut">
               <a:rPr lang="en-IN" smtClean="0"/>
-              <a:t>17-06-2021</a:t>
+              <a:t>21-06-2021</a:t>
             </a:fld>
             <a:endParaRPr lang="en-IN"/>
           </a:p>
@@ -667,7 +675,7 @@
           <a:p>
             <a:fld id="{89206D95-02B4-4761-AC7A-6E3A6C701D8C}" type="datetimeFigureOut">
               <a:rPr lang="en-IN" smtClean="0"/>
-              <a:t>17-06-2021</a:t>
+              <a:t>21-06-2021</a:t>
             </a:fld>
             <a:endParaRPr lang="en-IN"/>
           </a:p>
@@ -867,7 +875,7 @@
           <a:p>
             <a:fld id="{89206D95-02B4-4761-AC7A-6E3A6C701D8C}" type="datetimeFigureOut">
               <a:rPr lang="en-IN" smtClean="0"/>
-              <a:t>17-06-2021</a:t>
+              <a:t>21-06-2021</a:t>
             </a:fld>
             <a:endParaRPr lang="en-IN"/>
           </a:p>
@@ -1143,7 +1151,7 @@
           <a:p>
             <a:fld id="{89206D95-02B4-4761-AC7A-6E3A6C701D8C}" type="datetimeFigureOut">
               <a:rPr lang="en-IN" smtClean="0"/>
-              <a:t>17-06-2021</a:t>
+              <a:t>21-06-2021</a:t>
             </a:fld>
             <a:endParaRPr lang="en-IN"/>
           </a:p>
@@ -1411,7 +1419,7 @@
           <a:p>
             <a:fld id="{89206D95-02B4-4761-AC7A-6E3A6C701D8C}" type="datetimeFigureOut">
               <a:rPr lang="en-IN" smtClean="0"/>
-              <a:t>17-06-2021</a:t>
+              <a:t>21-06-2021</a:t>
             </a:fld>
             <a:endParaRPr lang="en-IN"/>
           </a:p>
@@ -1826,7 +1834,7 @@
           <a:p>
             <a:fld id="{89206D95-02B4-4761-AC7A-6E3A6C701D8C}" type="datetimeFigureOut">
               <a:rPr lang="en-IN" smtClean="0"/>
-              <a:t>17-06-2021</a:t>
+              <a:t>21-06-2021</a:t>
             </a:fld>
             <a:endParaRPr lang="en-IN"/>
           </a:p>
@@ -1968,7 +1976,7 @@
           <a:p>
             <a:fld id="{89206D95-02B4-4761-AC7A-6E3A6C701D8C}" type="datetimeFigureOut">
               <a:rPr lang="en-IN" smtClean="0"/>
-              <a:t>17-06-2021</a:t>
+              <a:t>21-06-2021</a:t>
             </a:fld>
             <a:endParaRPr lang="en-IN"/>
           </a:p>
@@ -2081,7 +2089,7 @@
           <a:p>
             <a:fld id="{89206D95-02B4-4761-AC7A-6E3A6C701D8C}" type="datetimeFigureOut">
               <a:rPr lang="en-IN" smtClean="0"/>
-              <a:t>17-06-2021</a:t>
+              <a:t>21-06-2021</a:t>
             </a:fld>
             <a:endParaRPr lang="en-IN"/>
           </a:p>
@@ -2394,7 +2402,7 @@
           <a:p>
             <a:fld id="{89206D95-02B4-4761-AC7A-6E3A6C701D8C}" type="datetimeFigureOut">
               <a:rPr lang="en-IN" smtClean="0"/>
-              <a:t>17-06-2021</a:t>
+              <a:t>21-06-2021</a:t>
             </a:fld>
             <a:endParaRPr lang="en-IN"/>
           </a:p>
@@ -2683,7 +2691,7 @@
           <a:p>
             <a:fld id="{89206D95-02B4-4761-AC7A-6E3A6C701D8C}" type="datetimeFigureOut">
               <a:rPr lang="en-IN" smtClean="0"/>
-              <a:t>17-06-2021</a:t>
+              <a:t>21-06-2021</a:t>
             </a:fld>
             <a:endParaRPr lang="en-IN"/>
           </a:p>
@@ -2926,7 +2934,7 @@
           <a:p>
             <a:fld id="{89206D95-02B4-4761-AC7A-6E3A6C701D8C}" type="datetimeFigureOut">
               <a:rPr lang="en-IN" smtClean="0"/>
-              <a:t>17-06-2021</a:t>
+              <a:t>21-06-2021</a:t>
             </a:fld>
             <a:endParaRPr lang="en-IN"/>
           </a:p>
@@ -3677,6 +3685,2004 @@
 </p:sld>
 </file>
 
+<file path=ppt/slides/slide3.xml><?xml version="1.0" encoding="utf-8"?>
+<p:sld xmlns:a="http://schemas.openxmlformats.org/drawingml/2006/main" xmlns:r="http://schemas.openxmlformats.org/officeDocument/2006/relationships" xmlns:p="http://schemas.openxmlformats.org/presentationml/2006/main">
+  <p:cSld>
+    <p:bg>
+      <p:bgPr>
+        <a:blipFill dpi="0" rotWithShape="1">
+          <a:blip r:embed="rId2">
+            <a:lum/>
+          </a:blip>
+          <a:srcRect/>
+          <a:stretch>
+            <a:fillRect/>
+          </a:stretch>
+        </a:blipFill>
+        <a:effectLst/>
+      </p:bgPr>
+    </p:bg>
+    <p:spTree>
+      <p:nvGrpSpPr>
+        <p:cNvPr id="1" name=""/>
+        <p:cNvGrpSpPr/>
+        <p:nvPr/>
+      </p:nvGrpSpPr>
+      <p:grpSpPr>
+        <a:xfrm>
+          <a:off x="0" y="0"/>
+          <a:ext cx="0" cy="0"/>
+          <a:chOff x="0" y="0"/>
+          <a:chExt cx="0" cy="0"/>
+        </a:xfrm>
+      </p:grpSpPr>
+      <p:sp>
+        <p:nvSpPr>
+          <p:cNvPr id="5" name="Half Frame 4">
+            <a:extLst>
+              <a:ext uri="{FF2B5EF4-FFF2-40B4-BE49-F238E27FC236}">
+                <a16:creationId xmlns:a16="http://schemas.microsoft.com/office/drawing/2014/main" id="{7C0B3793-34B7-4745-9C25-BD79456739CE}"/>
+              </a:ext>
+            </a:extLst>
+          </p:cNvPr>
+          <p:cNvSpPr/>
+          <p:nvPr/>
+        </p:nvSpPr>
+        <p:spPr>
+          <a:xfrm rot="13639953">
+            <a:off x="797518" y="837817"/>
+            <a:ext cx="342086" cy="920717"/>
+          </a:xfrm>
+          <a:prstGeom prst="halfFrame">
+            <a:avLst>
+              <a:gd name="adj1" fmla="val 35872"/>
+              <a:gd name="adj2" fmla="val 21290"/>
+            </a:avLst>
+          </a:prstGeom>
+          <a:solidFill>
+            <a:srgbClr val="5BFF09"/>
+          </a:solidFill>
+          <a:ln>
+            <a:solidFill>
+              <a:schemeClr val="tx1"/>
+            </a:solidFill>
+          </a:ln>
+        </p:spPr>
+        <p:style>
+          <a:lnRef idx="2">
+            <a:schemeClr val="accent1">
+              <a:shade val="50000"/>
+            </a:schemeClr>
+          </a:lnRef>
+          <a:fillRef idx="1">
+            <a:schemeClr val="accent1"/>
+          </a:fillRef>
+          <a:effectRef idx="0">
+            <a:schemeClr val="accent1"/>
+          </a:effectRef>
+          <a:fontRef idx="minor">
+            <a:schemeClr val="lt1"/>
+          </a:fontRef>
+        </p:style>
+        <p:txBody>
+          <a:bodyPr rtlCol="0" anchor="ctr"/>
+          <a:lstStyle/>
+          <a:p>
+            <a:pPr algn="ctr"/>
+            <a:endParaRPr lang="en-IN">
+              <a:solidFill>
+                <a:schemeClr val="tx1"/>
+              </a:solidFill>
+            </a:endParaRPr>
+          </a:p>
+        </p:txBody>
+      </p:sp>
+      <p:sp>
+        <p:nvSpPr>
+          <p:cNvPr id="6" name="Half Frame 5">
+            <a:extLst>
+              <a:ext uri="{FF2B5EF4-FFF2-40B4-BE49-F238E27FC236}">
+                <a16:creationId xmlns:a16="http://schemas.microsoft.com/office/drawing/2014/main" id="{8D739AB2-08CF-4359-869E-478F88A69C7D}"/>
+              </a:ext>
+            </a:extLst>
+          </p:cNvPr>
+          <p:cNvSpPr/>
+          <p:nvPr/>
+        </p:nvSpPr>
+        <p:spPr>
+          <a:xfrm rot="13639953">
+            <a:off x="2473916" y="837816"/>
+            <a:ext cx="342086" cy="920717"/>
+          </a:xfrm>
+          <a:prstGeom prst="halfFrame">
+            <a:avLst>
+              <a:gd name="adj1" fmla="val 35872"/>
+              <a:gd name="adj2" fmla="val 21290"/>
+            </a:avLst>
+          </a:prstGeom>
+          <a:solidFill>
+            <a:srgbClr val="5BFF09"/>
+          </a:solidFill>
+          <a:ln>
+            <a:solidFill>
+              <a:schemeClr val="tx1"/>
+            </a:solidFill>
+          </a:ln>
+        </p:spPr>
+        <p:style>
+          <a:lnRef idx="2">
+            <a:schemeClr val="accent1">
+              <a:shade val="50000"/>
+            </a:schemeClr>
+          </a:lnRef>
+          <a:fillRef idx="1">
+            <a:schemeClr val="accent1"/>
+          </a:fillRef>
+          <a:effectRef idx="0">
+            <a:schemeClr val="accent1"/>
+          </a:effectRef>
+          <a:fontRef idx="minor">
+            <a:schemeClr val="lt1"/>
+          </a:fontRef>
+        </p:style>
+        <p:txBody>
+          <a:bodyPr rtlCol="0" anchor="ctr"/>
+          <a:lstStyle/>
+          <a:p>
+            <a:pPr algn="ctr"/>
+            <a:endParaRPr lang="en-IN">
+              <a:solidFill>
+                <a:schemeClr val="tx1"/>
+              </a:solidFill>
+            </a:endParaRPr>
+          </a:p>
+        </p:txBody>
+      </p:sp>
+      <p:sp>
+        <p:nvSpPr>
+          <p:cNvPr id="9" name="Half Frame 8">
+            <a:extLst>
+              <a:ext uri="{FF2B5EF4-FFF2-40B4-BE49-F238E27FC236}">
+                <a16:creationId xmlns:a16="http://schemas.microsoft.com/office/drawing/2014/main" id="{4F5FD2AA-C3B5-47F8-AA7E-98E0B247DB30}"/>
+              </a:ext>
+            </a:extLst>
+          </p:cNvPr>
+          <p:cNvSpPr/>
+          <p:nvPr/>
+        </p:nvSpPr>
+        <p:spPr>
+          <a:xfrm rot="13639953">
+            <a:off x="4168189" y="837818"/>
+            <a:ext cx="342086" cy="920717"/>
+          </a:xfrm>
+          <a:prstGeom prst="halfFrame">
+            <a:avLst>
+              <a:gd name="adj1" fmla="val 35872"/>
+              <a:gd name="adj2" fmla="val 21290"/>
+            </a:avLst>
+          </a:prstGeom>
+          <a:solidFill>
+            <a:srgbClr val="5BFF09"/>
+          </a:solidFill>
+          <a:ln>
+            <a:solidFill>
+              <a:schemeClr val="tx1"/>
+            </a:solidFill>
+          </a:ln>
+        </p:spPr>
+        <p:style>
+          <a:lnRef idx="2">
+            <a:schemeClr val="accent1">
+              <a:shade val="50000"/>
+            </a:schemeClr>
+          </a:lnRef>
+          <a:fillRef idx="1">
+            <a:schemeClr val="accent1"/>
+          </a:fillRef>
+          <a:effectRef idx="0">
+            <a:schemeClr val="accent1"/>
+          </a:effectRef>
+          <a:fontRef idx="minor">
+            <a:schemeClr val="lt1"/>
+          </a:fontRef>
+        </p:style>
+        <p:txBody>
+          <a:bodyPr rtlCol="0" anchor="ctr"/>
+          <a:lstStyle/>
+          <a:p>
+            <a:pPr algn="ctr"/>
+            <a:endParaRPr lang="en-IN">
+              <a:solidFill>
+                <a:schemeClr val="tx1"/>
+              </a:solidFill>
+            </a:endParaRPr>
+          </a:p>
+        </p:txBody>
+      </p:sp>
+      <p:sp>
+        <p:nvSpPr>
+          <p:cNvPr id="10" name="Half Frame 9">
+            <a:extLst>
+              <a:ext uri="{FF2B5EF4-FFF2-40B4-BE49-F238E27FC236}">
+                <a16:creationId xmlns:a16="http://schemas.microsoft.com/office/drawing/2014/main" id="{FDC02792-2D70-4F7A-9F1B-600629D2BC3B}"/>
+              </a:ext>
+            </a:extLst>
+          </p:cNvPr>
+          <p:cNvSpPr/>
+          <p:nvPr/>
+        </p:nvSpPr>
+        <p:spPr>
+          <a:xfrm rot="13639953">
+            <a:off x="797518" y="2216673"/>
+            <a:ext cx="342086" cy="920717"/>
+          </a:xfrm>
+          <a:prstGeom prst="halfFrame">
+            <a:avLst>
+              <a:gd name="adj1" fmla="val 35872"/>
+              <a:gd name="adj2" fmla="val 21290"/>
+            </a:avLst>
+          </a:prstGeom>
+          <a:solidFill>
+            <a:srgbClr val="5BFF09"/>
+          </a:solidFill>
+          <a:ln>
+            <a:solidFill>
+              <a:schemeClr val="tx1"/>
+            </a:solidFill>
+          </a:ln>
+        </p:spPr>
+        <p:style>
+          <a:lnRef idx="2">
+            <a:schemeClr val="accent1">
+              <a:shade val="50000"/>
+            </a:schemeClr>
+          </a:lnRef>
+          <a:fillRef idx="1">
+            <a:schemeClr val="accent1"/>
+          </a:fillRef>
+          <a:effectRef idx="0">
+            <a:schemeClr val="accent1"/>
+          </a:effectRef>
+          <a:fontRef idx="minor">
+            <a:schemeClr val="lt1"/>
+          </a:fontRef>
+        </p:style>
+        <p:txBody>
+          <a:bodyPr rtlCol="0" anchor="ctr"/>
+          <a:lstStyle/>
+          <a:p>
+            <a:pPr algn="ctr"/>
+            <a:endParaRPr lang="en-IN">
+              <a:solidFill>
+                <a:schemeClr val="tx1"/>
+              </a:solidFill>
+            </a:endParaRPr>
+          </a:p>
+        </p:txBody>
+      </p:sp>
+      <p:sp>
+        <p:nvSpPr>
+          <p:cNvPr id="11" name="Half Frame 10">
+            <a:extLst>
+              <a:ext uri="{FF2B5EF4-FFF2-40B4-BE49-F238E27FC236}">
+                <a16:creationId xmlns:a16="http://schemas.microsoft.com/office/drawing/2014/main" id="{7D9FFE4F-C084-4968-A76E-524E7537DE31}"/>
+              </a:ext>
+            </a:extLst>
+          </p:cNvPr>
+          <p:cNvSpPr/>
+          <p:nvPr/>
+        </p:nvSpPr>
+        <p:spPr>
+          <a:xfrm rot="13639953">
+            <a:off x="7567887" y="837813"/>
+            <a:ext cx="342086" cy="920717"/>
+          </a:xfrm>
+          <a:prstGeom prst="halfFrame">
+            <a:avLst>
+              <a:gd name="adj1" fmla="val 35872"/>
+              <a:gd name="adj2" fmla="val 21290"/>
+            </a:avLst>
+          </a:prstGeom>
+          <a:solidFill>
+            <a:srgbClr val="5BFF09"/>
+          </a:solidFill>
+          <a:ln>
+            <a:solidFill>
+              <a:schemeClr val="tx1"/>
+            </a:solidFill>
+          </a:ln>
+        </p:spPr>
+        <p:style>
+          <a:lnRef idx="2">
+            <a:schemeClr val="accent1">
+              <a:shade val="50000"/>
+            </a:schemeClr>
+          </a:lnRef>
+          <a:fillRef idx="1">
+            <a:schemeClr val="accent1"/>
+          </a:fillRef>
+          <a:effectRef idx="0">
+            <a:schemeClr val="accent1"/>
+          </a:effectRef>
+          <a:fontRef idx="minor">
+            <a:schemeClr val="lt1"/>
+          </a:fontRef>
+        </p:style>
+        <p:txBody>
+          <a:bodyPr rtlCol="0" anchor="ctr"/>
+          <a:lstStyle/>
+          <a:p>
+            <a:pPr algn="ctr"/>
+            <a:endParaRPr lang="en-IN">
+              <a:solidFill>
+                <a:schemeClr val="tx1"/>
+              </a:solidFill>
+            </a:endParaRPr>
+          </a:p>
+        </p:txBody>
+      </p:sp>
+      <p:sp>
+        <p:nvSpPr>
+          <p:cNvPr id="12" name="Half Frame 11">
+            <a:extLst>
+              <a:ext uri="{FF2B5EF4-FFF2-40B4-BE49-F238E27FC236}">
+                <a16:creationId xmlns:a16="http://schemas.microsoft.com/office/drawing/2014/main" id="{367F2B93-C49F-4DD4-954C-2F01BA4DB87F}"/>
+              </a:ext>
+            </a:extLst>
+          </p:cNvPr>
+          <p:cNvSpPr/>
+          <p:nvPr/>
+        </p:nvSpPr>
+        <p:spPr>
+          <a:xfrm rot="13639953">
+            <a:off x="9262160" y="837815"/>
+            <a:ext cx="342086" cy="920717"/>
+          </a:xfrm>
+          <a:prstGeom prst="halfFrame">
+            <a:avLst>
+              <a:gd name="adj1" fmla="val 35872"/>
+              <a:gd name="adj2" fmla="val 21290"/>
+            </a:avLst>
+          </a:prstGeom>
+          <a:solidFill>
+            <a:srgbClr val="5BFF09"/>
+          </a:solidFill>
+          <a:ln>
+            <a:solidFill>
+              <a:schemeClr val="tx1"/>
+            </a:solidFill>
+          </a:ln>
+        </p:spPr>
+        <p:style>
+          <a:lnRef idx="2">
+            <a:schemeClr val="accent1">
+              <a:shade val="50000"/>
+            </a:schemeClr>
+          </a:lnRef>
+          <a:fillRef idx="1">
+            <a:schemeClr val="accent1"/>
+          </a:fillRef>
+          <a:effectRef idx="0">
+            <a:schemeClr val="accent1"/>
+          </a:effectRef>
+          <a:fontRef idx="minor">
+            <a:schemeClr val="lt1"/>
+          </a:fontRef>
+        </p:style>
+        <p:txBody>
+          <a:bodyPr rtlCol="0" anchor="ctr"/>
+          <a:lstStyle/>
+          <a:p>
+            <a:pPr algn="ctr"/>
+            <a:endParaRPr lang="en-IN">
+              <a:solidFill>
+                <a:schemeClr val="tx1"/>
+              </a:solidFill>
+            </a:endParaRPr>
+          </a:p>
+        </p:txBody>
+      </p:sp>
+      <p:sp>
+        <p:nvSpPr>
+          <p:cNvPr id="13" name="Half Frame 12">
+            <a:extLst>
+              <a:ext uri="{FF2B5EF4-FFF2-40B4-BE49-F238E27FC236}">
+                <a16:creationId xmlns:a16="http://schemas.microsoft.com/office/drawing/2014/main" id="{7649328F-E3A5-4E23-8B1F-51F340E690B6}"/>
+              </a:ext>
+            </a:extLst>
+          </p:cNvPr>
+          <p:cNvSpPr/>
+          <p:nvPr/>
+        </p:nvSpPr>
+        <p:spPr>
+          <a:xfrm rot="13639953">
+            <a:off x="797517" y="4945358"/>
+            <a:ext cx="342086" cy="920717"/>
+          </a:xfrm>
+          <a:prstGeom prst="halfFrame">
+            <a:avLst>
+              <a:gd name="adj1" fmla="val 35872"/>
+              <a:gd name="adj2" fmla="val 21290"/>
+            </a:avLst>
+          </a:prstGeom>
+          <a:solidFill>
+            <a:srgbClr val="5BFF09"/>
+          </a:solidFill>
+          <a:ln>
+            <a:solidFill>
+              <a:schemeClr val="tx1"/>
+            </a:solidFill>
+          </a:ln>
+        </p:spPr>
+        <p:style>
+          <a:lnRef idx="2">
+            <a:schemeClr val="accent1">
+              <a:shade val="50000"/>
+            </a:schemeClr>
+          </a:lnRef>
+          <a:fillRef idx="1">
+            <a:schemeClr val="accent1"/>
+          </a:fillRef>
+          <a:effectRef idx="0">
+            <a:schemeClr val="accent1"/>
+          </a:effectRef>
+          <a:fontRef idx="minor">
+            <a:schemeClr val="lt1"/>
+          </a:fontRef>
+        </p:style>
+        <p:txBody>
+          <a:bodyPr rtlCol="0" anchor="ctr"/>
+          <a:lstStyle/>
+          <a:p>
+            <a:pPr algn="ctr"/>
+            <a:endParaRPr lang="en-IN">
+              <a:solidFill>
+                <a:schemeClr val="tx1"/>
+              </a:solidFill>
+            </a:endParaRPr>
+          </a:p>
+        </p:txBody>
+      </p:sp>
+    </p:spTree>
+    <p:extLst>
+      <p:ext uri="{BB962C8B-B14F-4D97-AF65-F5344CB8AC3E}">
+        <p14:creationId xmlns:p14="http://schemas.microsoft.com/office/powerpoint/2010/main" val="2530806917"/>
+      </p:ext>
+    </p:extLst>
+  </p:cSld>
+  <p:clrMapOvr>
+    <a:masterClrMapping/>
+  </p:clrMapOvr>
+</p:sld>
+</file>
+
+<file path=ppt/slides/slide4.xml><?xml version="1.0" encoding="utf-8"?>
+<p:sld xmlns:a="http://schemas.openxmlformats.org/drawingml/2006/main" xmlns:r="http://schemas.openxmlformats.org/officeDocument/2006/relationships" xmlns:p="http://schemas.openxmlformats.org/presentationml/2006/main">
+  <p:cSld>
+    <p:bg>
+      <p:bgPr>
+        <a:blipFill dpi="0" rotWithShape="1">
+          <a:blip r:embed="rId2">
+            <a:lum/>
+          </a:blip>
+          <a:srcRect/>
+          <a:stretch>
+            <a:fillRect/>
+          </a:stretch>
+        </a:blipFill>
+        <a:effectLst/>
+      </p:bgPr>
+    </p:bg>
+    <p:spTree>
+      <p:nvGrpSpPr>
+        <p:cNvPr id="1" name=""/>
+        <p:cNvGrpSpPr/>
+        <p:nvPr/>
+      </p:nvGrpSpPr>
+      <p:grpSpPr>
+        <a:xfrm>
+          <a:off x="0" y="0"/>
+          <a:ext cx="0" cy="0"/>
+          <a:chOff x="0" y="0"/>
+          <a:chExt cx="0" cy="0"/>
+        </a:xfrm>
+      </p:grpSpPr>
+      <p:sp>
+        <p:nvSpPr>
+          <p:cNvPr id="5" name="Half Frame 4">
+            <a:extLst>
+              <a:ext uri="{FF2B5EF4-FFF2-40B4-BE49-F238E27FC236}">
+                <a16:creationId xmlns:a16="http://schemas.microsoft.com/office/drawing/2014/main" id="{7C0B3793-34B7-4745-9C25-BD79456739CE}"/>
+              </a:ext>
+            </a:extLst>
+          </p:cNvPr>
+          <p:cNvSpPr/>
+          <p:nvPr/>
+        </p:nvSpPr>
+        <p:spPr>
+          <a:xfrm rot="13639953">
+            <a:off x="797518" y="837817"/>
+            <a:ext cx="342086" cy="920717"/>
+          </a:xfrm>
+          <a:prstGeom prst="halfFrame">
+            <a:avLst>
+              <a:gd name="adj1" fmla="val 35872"/>
+              <a:gd name="adj2" fmla="val 21290"/>
+            </a:avLst>
+          </a:prstGeom>
+          <a:solidFill>
+            <a:srgbClr val="5BFF09"/>
+          </a:solidFill>
+          <a:ln>
+            <a:solidFill>
+              <a:schemeClr val="tx1"/>
+            </a:solidFill>
+          </a:ln>
+        </p:spPr>
+        <p:style>
+          <a:lnRef idx="2">
+            <a:schemeClr val="accent1">
+              <a:shade val="50000"/>
+            </a:schemeClr>
+          </a:lnRef>
+          <a:fillRef idx="1">
+            <a:schemeClr val="accent1"/>
+          </a:fillRef>
+          <a:effectRef idx="0">
+            <a:schemeClr val="accent1"/>
+          </a:effectRef>
+          <a:fontRef idx="minor">
+            <a:schemeClr val="lt1"/>
+          </a:fontRef>
+        </p:style>
+        <p:txBody>
+          <a:bodyPr rtlCol="0" anchor="ctr"/>
+          <a:lstStyle/>
+          <a:p>
+            <a:pPr algn="ctr"/>
+            <a:endParaRPr lang="en-IN">
+              <a:solidFill>
+                <a:schemeClr val="tx1"/>
+              </a:solidFill>
+            </a:endParaRPr>
+          </a:p>
+        </p:txBody>
+      </p:sp>
+      <p:sp>
+        <p:nvSpPr>
+          <p:cNvPr id="6" name="Half Frame 5">
+            <a:extLst>
+              <a:ext uri="{FF2B5EF4-FFF2-40B4-BE49-F238E27FC236}">
+                <a16:creationId xmlns:a16="http://schemas.microsoft.com/office/drawing/2014/main" id="{8D739AB2-08CF-4359-869E-478F88A69C7D}"/>
+              </a:ext>
+            </a:extLst>
+          </p:cNvPr>
+          <p:cNvSpPr/>
+          <p:nvPr/>
+        </p:nvSpPr>
+        <p:spPr>
+          <a:xfrm rot="13639953">
+            <a:off x="2473916" y="837816"/>
+            <a:ext cx="342086" cy="920717"/>
+          </a:xfrm>
+          <a:prstGeom prst="halfFrame">
+            <a:avLst>
+              <a:gd name="adj1" fmla="val 35872"/>
+              <a:gd name="adj2" fmla="val 21290"/>
+            </a:avLst>
+          </a:prstGeom>
+          <a:solidFill>
+            <a:srgbClr val="5BFF09"/>
+          </a:solidFill>
+          <a:ln>
+            <a:solidFill>
+              <a:schemeClr val="tx1"/>
+            </a:solidFill>
+          </a:ln>
+        </p:spPr>
+        <p:style>
+          <a:lnRef idx="2">
+            <a:schemeClr val="accent1">
+              <a:shade val="50000"/>
+            </a:schemeClr>
+          </a:lnRef>
+          <a:fillRef idx="1">
+            <a:schemeClr val="accent1"/>
+          </a:fillRef>
+          <a:effectRef idx="0">
+            <a:schemeClr val="accent1"/>
+          </a:effectRef>
+          <a:fontRef idx="minor">
+            <a:schemeClr val="lt1"/>
+          </a:fontRef>
+        </p:style>
+        <p:txBody>
+          <a:bodyPr rtlCol="0" anchor="ctr"/>
+          <a:lstStyle/>
+          <a:p>
+            <a:pPr algn="ctr"/>
+            <a:endParaRPr lang="en-IN">
+              <a:solidFill>
+                <a:schemeClr val="tx1"/>
+              </a:solidFill>
+            </a:endParaRPr>
+          </a:p>
+        </p:txBody>
+      </p:sp>
+      <p:sp>
+        <p:nvSpPr>
+          <p:cNvPr id="9" name="Half Frame 8">
+            <a:extLst>
+              <a:ext uri="{FF2B5EF4-FFF2-40B4-BE49-F238E27FC236}">
+                <a16:creationId xmlns:a16="http://schemas.microsoft.com/office/drawing/2014/main" id="{4F5FD2AA-C3B5-47F8-AA7E-98E0B247DB30}"/>
+              </a:ext>
+            </a:extLst>
+          </p:cNvPr>
+          <p:cNvSpPr/>
+          <p:nvPr/>
+        </p:nvSpPr>
+        <p:spPr>
+          <a:xfrm rot="13639953">
+            <a:off x="4168189" y="837818"/>
+            <a:ext cx="342086" cy="920717"/>
+          </a:xfrm>
+          <a:prstGeom prst="halfFrame">
+            <a:avLst>
+              <a:gd name="adj1" fmla="val 35872"/>
+              <a:gd name="adj2" fmla="val 21290"/>
+            </a:avLst>
+          </a:prstGeom>
+          <a:solidFill>
+            <a:srgbClr val="5BFF09"/>
+          </a:solidFill>
+          <a:ln>
+            <a:solidFill>
+              <a:schemeClr val="tx1"/>
+            </a:solidFill>
+          </a:ln>
+        </p:spPr>
+        <p:style>
+          <a:lnRef idx="2">
+            <a:schemeClr val="accent1">
+              <a:shade val="50000"/>
+            </a:schemeClr>
+          </a:lnRef>
+          <a:fillRef idx="1">
+            <a:schemeClr val="accent1"/>
+          </a:fillRef>
+          <a:effectRef idx="0">
+            <a:schemeClr val="accent1"/>
+          </a:effectRef>
+          <a:fontRef idx="minor">
+            <a:schemeClr val="lt1"/>
+          </a:fontRef>
+        </p:style>
+        <p:txBody>
+          <a:bodyPr rtlCol="0" anchor="ctr"/>
+          <a:lstStyle/>
+          <a:p>
+            <a:pPr algn="ctr"/>
+            <a:endParaRPr lang="en-IN">
+              <a:solidFill>
+                <a:schemeClr val="tx1"/>
+              </a:solidFill>
+            </a:endParaRPr>
+          </a:p>
+        </p:txBody>
+      </p:sp>
+      <p:sp>
+        <p:nvSpPr>
+          <p:cNvPr id="10" name="Half Frame 9">
+            <a:extLst>
+              <a:ext uri="{FF2B5EF4-FFF2-40B4-BE49-F238E27FC236}">
+                <a16:creationId xmlns:a16="http://schemas.microsoft.com/office/drawing/2014/main" id="{FDC02792-2D70-4F7A-9F1B-600629D2BC3B}"/>
+              </a:ext>
+            </a:extLst>
+          </p:cNvPr>
+          <p:cNvSpPr/>
+          <p:nvPr/>
+        </p:nvSpPr>
+        <p:spPr>
+          <a:xfrm rot="13639953">
+            <a:off x="797518" y="2216673"/>
+            <a:ext cx="342086" cy="920717"/>
+          </a:xfrm>
+          <a:prstGeom prst="halfFrame">
+            <a:avLst>
+              <a:gd name="adj1" fmla="val 35872"/>
+              <a:gd name="adj2" fmla="val 21290"/>
+            </a:avLst>
+          </a:prstGeom>
+          <a:solidFill>
+            <a:srgbClr val="5BFF09"/>
+          </a:solidFill>
+          <a:ln>
+            <a:solidFill>
+              <a:schemeClr val="tx1"/>
+            </a:solidFill>
+          </a:ln>
+        </p:spPr>
+        <p:style>
+          <a:lnRef idx="2">
+            <a:schemeClr val="accent1">
+              <a:shade val="50000"/>
+            </a:schemeClr>
+          </a:lnRef>
+          <a:fillRef idx="1">
+            <a:schemeClr val="accent1"/>
+          </a:fillRef>
+          <a:effectRef idx="0">
+            <a:schemeClr val="accent1"/>
+          </a:effectRef>
+          <a:fontRef idx="minor">
+            <a:schemeClr val="lt1"/>
+          </a:fontRef>
+        </p:style>
+        <p:txBody>
+          <a:bodyPr rtlCol="0" anchor="ctr"/>
+          <a:lstStyle/>
+          <a:p>
+            <a:pPr algn="ctr"/>
+            <a:endParaRPr lang="en-IN">
+              <a:solidFill>
+                <a:schemeClr val="tx1"/>
+              </a:solidFill>
+            </a:endParaRPr>
+          </a:p>
+        </p:txBody>
+      </p:sp>
+      <p:sp>
+        <p:nvSpPr>
+          <p:cNvPr id="11" name="Half Frame 10">
+            <a:extLst>
+              <a:ext uri="{FF2B5EF4-FFF2-40B4-BE49-F238E27FC236}">
+                <a16:creationId xmlns:a16="http://schemas.microsoft.com/office/drawing/2014/main" id="{7D9FFE4F-C084-4968-A76E-524E7537DE31}"/>
+              </a:ext>
+            </a:extLst>
+          </p:cNvPr>
+          <p:cNvSpPr/>
+          <p:nvPr/>
+        </p:nvSpPr>
+        <p:spPr>
+          <a:xfrm rot="13639953">
+            <a:off x="7567887" y="837813"/>
+            <a:ext cx="342086" cy="920717"/>
+          </a:xfrm>
+          <a:prstGeom prst="halfFrame">
+            <a:avLst>
+              <a:gd name="adj1" fmla="val 35872"/>
+              <a:gd name="adj2" fmla="val 21290"/>
+            </a:avLst>
+          </a:prstGeom>
+          <a:solidFill>
+            <a:srgbClr val="5BFF09"/>
+          </a:solidFill>
+          <a:ln>
+            <a:solidFill>
+              <a:schemeClr val="tx1"/>
+            </a:solidFill>
+          </a:ln>
+        </p:spPr>
+        <p:style>
+          <a:lnRef idx="2">
+            <a:schemeClr val="accent1">
+              <a:shade val="50000"/>
+            </a:schemeClr>
+          </a:lnRef>
+          <a:fillRef idx="1">
+            <a:schemeClr val="accent1"/>
+          </a:fillRef>
+          <a:effectRef idx="0">
+            <a:schemeClr val="accent1"/>
+          </a:effectRef>
+          <a:fontRef idx="minor">
+            <a:schemeClr val="lt1"/>
+          </a:fontRef>
+        </p:style>
+        <p:txBody>
+          <a:bodyPr rtlCol="0" anchor="ctr"/>
+          <a:lstStyle/>
+          <a:p>
+            <a:pPr algn="ctr"/>
+            <a:endParaRPr lang="en-IN">
+              <a:solidFill>
+                <a:schemeClr val="tx1"/>
+              </a:solidFill>
+            </a:endParaRPr>
+          </a:p>
+        </p:txBody>
+      </p:sp>
+      <p:sp>
+        <p:nvSpPr>
+          <p:cNvPr id="12" name="Half Frame 11">
+            <a:extLst>
+              <a:ext uri="{FF2B5EF4-FFF2-40B4-BE49-F238E27FC236}">
+                <a16:creationId xmlns:a16="http://schemas.microsoft.com/office/drawing/2014/main" id="{367F2B93-C49F-4DD4-954C-2F01BA4DB87F}"/>
+              </a:ext>
+            </a:extLst>
+          </p:cNvPr>
+          <p:cNvSpPr/>
+          <p:nvPr/>
+        </p:nvSpPr>
+        <p:spPr>
+          <a:xfrm rot="13639953">
+            <a:off x="9262160" y="837815"/>
+            <a:ext cx="342086" cy="920717"/>
+          </a:xfrm>
+          <a:prstGeom prst="halfFrame">
+            <a:avLst>
+              <a:gd name="adj1" fmla="val 35872"/>
+              <a:gd name="adj2" fmla="val 21290"/>
+            </a:avLst>
+          </a:prstGeom>
+          <a:solidFill>
+            <a:srgbClr val="5BFF09"/>
+          </a:solidFill>
+          <a:ln>
+            <a:solidFill>
+              <a:schemeClr val="tx1"/>
+            </a:solidFill>
+          </a:ln>
+        </p:spPr>
+        <p:style>
+          <a:lnRef idx="2">
+            <a:schemeClr val="accent1">
+              <a:shade val="50000"/>
+            </a:schemeClr>
+          </a:lnRef>
+          <a:fillRef idx="1">
+            <a:schemeClr val="accent1"/>
+          </a:fillRef>
+          <a:effectRef idx="0">
+            <a:schemeClr val="accent1"/>
+          </a:effectRef>
+          <a:fontRef idx="minor">
+            <a:schemeClr val="lt1"/>
+          </a:fontRef>
+        </p:style>
+        <p:txBody>
+          <a:bodyPr rtlCol="0" anchor="ctr"/>
+          <a:lstStyle/>
+          <a:p>
+            <a:pPr algn="ctr"/>
+            <a:endParaRPr lang="en-IN">
+              <a:solidFill>
+                <a:schemeClr val="tx1"/>
+              </a:solidFill>
+            </a:endParaRPr>
+          </a:p>
+        </p:txBody>
+      </p:sp>
+      <p:sp>
+        <p:nvSpPr>
+          <p:cNvPr id="13" name="Half Frame 12">
+            <a:extLst>
+              <a:ext uri="{FF2B5EF4-FFF2-40B4-BE49-F238E27FC236}">
+                <a16:creationId xmlns:a16="http://schemas.microsoft.com/office/drawing/2014/main" id="{7649328F-E3A5-4E23-8B1F-51F340E690B6}"/>
+              </a:ext>
+            </a:extLst>
+          </p:cNvPr>
+          <p:cNvSpPr/>
+          <p:nvPr/>
+        </p:nvSpPr>
+        <p:spPr>
+          <a:xfrm rot="13639953">
+            <a:off x="797517" y="4945358"/>
+            <a:ext cx="342086" cy="920717"/>
+          </a:xfrm>
+          <a:prstGeom prst="halfFrame">
+            <a:avLst>
+              <a:gd name="adj1" fmla="val 35872"/>
+              <a:gd name="adj2" fmla="val 21290"/>
+            </a:avLst>
+          </a:prstGeom>
+          <a:solidFill>
+            <a:srgbClr val="5BFF09"/>
+          </a:solidFill>
+          <a:ln>
+            <a:solidFill>
+              <a:schemeClr val="tx1"/>
+            </a:solidFill>
+          </a:ln>
+        </p:spPr>
+        <p:style>
+          <a:lnRef idx="2">
+            <a:schemeClr val="accent1">
+              <a:shade val="50000"/>
+            </a:schemeClr>
+          </a:lnRef>
+          <a:fillRef idx="1">
+            <a:schemeClr val="accent1"/>
+          </a:fillRef>
+          <a:effectRef idx="0">
+            <a:schemeClr val="accent1"/>
+          </a:effectRef>
+          <a:fontRef idx="minor">
+            <a:schemeClr val="lt1"/>
+          </a:fontRef>
+        </p:style>
+        <p:txBody>
+          <a:bodyPr rtlCol="0" anchor="ctr"/>
+          <a:lstStyle/>
+          <a:p>
+            <a:pPr algn="ctr"/>
+            <a:endParaRPr lang="en-IN">
+              <a:solidFill>
+                <a:schemeClr val="tx1"/>
+              </a:solidFill>
+            </a:endParaRPr>
+          </a:p>
+        </p:txBody>
+      </p:sp>
+      <p:sp>
+        <p:nvSpPr>
+          <p:cNvPr id="19" name="TextBox 18">
+            <a:extLst>
+              <a:ext uri="{FF2B5EF4-FFF2-40B4-BE49-F238E27FC236}">
+                <a16:creationId xmlns:a16="http://schemas.microsoft.com/office/drawing/2014/main" id="{01D4EECB-8148-4E09-996F-B0AA3697ED3E}"/>
+              </a:ext>
+            </a:extLst>
+          </p:cNvPr>
+          <p:cNvSpPr txBox="1"/>
+          <p:nvPr/>
+        </p:nvSpPr>
+        <p:spPr>
+          <a:xfrm>
+            <a:off x="3831514" y="5225274"/>
+            <a:ext cx="1096198" cy="461665"/>
+          </a:xfrm>
+          <a:prstGeom prst="rect">
+            <a:avLst/>
+          </a:prstGeom>
+          <a:noFill/>
+        </p:spPr>
+        <p:txBody>
+          <a:bodyPr wrap="none" rtlCol="0">
+            <a:spAutoFit/>
+          </a:bodyPr>
+          <a:lstStyle/>
+          <a:p>
+            <a:r>
+              <a:rPr lang="en-IN" sz="2400" b="1" dirty="0">
+                <a:solidFill>
+                  <a:srgbClr val="5BFF09"/>
+                </a:solidFill>
+              </a:rPr>
+              <a:t>PHOTO</a:t>
+            </a:r>
+          </a:p>
+        </p:txBody>
+      </p:sp>
+      <p:sp>
+        <p:nvSpPr>
+          <p:cNvPr id="20" name="TextBox 19">
+            <a:extLst>
+              <a:ext uri="{FF2B5EF4-FFF2-40B4-BE49-F238E27FC236}">
+                <a16:creationId xmlns:a16="http://schemas.microsoft.com/office/drawing/2014/main" id="{D021ABB6-CF32-43E4-B253-906C4948B2E6}"/>
+              </a:ext>
+            </a:extLst>
+          </p:cNvPr>
+          <p:cNvSpPr txBox="1"/>
+          <p:nvPr/>
+        </p:nvSpPr>
+        <p:spPr>
+          <a:xfrm>
+            <a:off x="5507913" y="5257445"/>
+            <a:ext cx="1096198" cy="461665"/>
+          </a:xfrm>
+          <a:prstGeom prst="rect">
+            <a:avLst/>
+          </a:prstGeom>
+          <a:noFill/>
+        </p:spPr>
+        <p:txBody>
+          <a:bodyPr wrap="none" rtlCol="0">
+            <a:spAutoFit/>
+          </a:bodyPr>
+          <a:lstStyle/>
+          <a:p>
+            <a:r>
+              <a:rPr lang="en-IN" sz="2400" b="1" dirty="0">
+                <a:solidFill>
+                  <a:srgbClr val="5BFF09"/>
+                </a:solidFill>
+              </a:rPr>
+              <a:t>PHOTO</a:t>
+            </a:r>
+          </a:p>
+        </p:txBody>
+      </p:sp>
+      <p:sp>
+        <p:nvSpPr>
+          <p:cNvPr id="21" name="TextBox 20">
+            <a:extLst>
+              <a:ext uri="{FF2B5EF4-FFF2-40B4-BE49-F238E27FC236}">
+                <a16:creationId xmlns:a16="http://schemas.microsoft.com/office/drawing/2014/main" id="{E0C69AF0-890C-4676-9CD1-5A5D71657AE0}"/>
+              </a:ext>
+            </a:extLst>
+          </p:cNvPr>
+          <p:cNvSpPr txBox="1"/>
+          <p:nvPr/>
+        </p:nvSpPr>
+        <p:spPr>
+          <a:xfrm>
+            <a:off x="2096860" y="5225274"/>
+            <a:ext cx="1096198" cy="461665"/>
+          </a:xfrm>
+          <a:prstGeom prst="rect">
+            <a:avLst/>
+          </a:prstGeom>
+          <a:noFill/>
+        </p:spPr>
+        <p:txBody>
+          <a:bodyPr wrap="none" rtlCol="0">
+            <a:spAutoFit/>
+          </a:bodyPr>
+          <a:lstStyle/>
+          <a:p>
+            <a:r>
+              <a:rPr lang="en-IN" sz="2400" b="1" dirty="0">
+                <a:solidFill>
+                  <a:srgbClr val="5BFF09"/>
+                </a:solidFill>
+              </a:rPr>
+              <a:t>PHOTO</a:t>
+            </a:r>
+          </a:p>
+        </p:txBody>
+      </p:sp>
+    </p:spTree>
+    <p:extLst>
+      <p:ext uri="{BB962C8B-B14F-4D97-AF65-F5344CB8AC3E}">
+        <p14:creationId xmlns:p14="http://schemas.microsoft.com/office/powerpoint/2010/main" val="866113951"/>
+      </p:ext>
+    </p:extLst>
+  </p:cSld>
+  <p:clrMapOvr>
+    <a:masterClrMapping/>
+  </p:clrMapOvr>
+</p:sld>
+</file>
+
+<file path=ppt/slides/slide5.xml><?xml version="1.0" encoding="utf-8"?>
+<p:sld xmlns:a="http://schemas.openxmlformats.org/drawingml/2006/main" xmlns:r="http://schemas.openxmlformats.org/officeDocument/2006/relationships" xmlns:p="http://schemas.openxmlformats.org/presentationml/2006/main">
+  <p:cSld>
+    <p:bg>
+      <p:bgPr>
+        <a:blipFill dpi="0" rotWithShape="1">
+          <a:blip r:embed="rId2">
+            <a:lum/>
+          </a:blip>
+          <a:srcRect/>
+          <a:stretch>
+            <a:fillRect/>
+          </a:stretch>
+        </a:blipFill>
+        <a:effectLst/>
+      </p:bgPr>
+    </p:bg>
+    <p:spTree>
+      <p:nvGrpSpPr>
+        <p:cNvPr id="1" name=""/>
+        <p:cNvGrpSpPr/>
+        <p:nvPr/>
+      </p:nvGrpSpPr>
+      <p:grpSpPr>
+        <a:xfrm>
+          <a:off x="0" y="0"/>
+          <a:ext cx="0" cy="0"/>
+          <a:chOff x="0" y="0"/>
+          <a:chExt cx="0" cy="0"/>
+        </a:xfrm>
+      </p:grpSpPr>
+      <p:sp>
+        <p:nvSpPr>
+          <p:cNvPr id="5" name="Half Frame 4">
+            <a:extLst>
+              <a:ext uri="{FF2B5EF4-FFF2-40B4-BE49-F238E27FC236}">
+                <a16:creationId xmlns:a16="http://schemas.microsoft.com/office/drawing/2014/main" id="{7C0B3793-34B7-4745-9C25-BD79456739CE}"/>
+              </a:ext>
+            </a:extLst>
+          </p:cNvPr>
+          <p:cNvSpPr/>
+          <p:nvPr/>
+        </p:nvSpPr>
+        <p:spPr>
+          <a:xfrm rot="13639953">
+            <a:off x="797518" y="837817"/>
+            <a:ext cx="342086" cy="920717"/>
+          </a:xfrm>
+          <a:prstGeom prst="halfFrame">
+            <a:avLst>
+              <a:gd name="adj1" fmla="val 35872"/>
+              <a:gd name="adj2" fmla="val 21290"/>
+            </a:avLst>
+          </a:prstGeom>
+          <a:solidFill>
+            <a:srgbClr val="5BFF09"/>
+          </a:solidFill>
+          <a:ln>
+            <a:solidFill>
+              <a:schemeClr val="tx1"/>
+            </a:solidFill>
+          </a:ln>
+        </p:spPr>
+        <p:style>
+          <a:lnRef idx="2">
+            <a:schemeClr val="accent1">
+              <a:shade val="50000"/>
+            </a:schemeClr>
+          </a:lnRef>
+          <a:fillRef idx="1">
+            <a:schemeClr val="accent1"/>
+          </a:fillRef>
+          <a:effectRef idx="0">
+            <a:schemeClr val="accent1"/>
+          </a:effectRef>
+          <a:fontRef idx="minor">
+            <a:schemeClr val="lt1"/>
+          </a:fontRef>
+        </p:style>
+        <p:txBody>
+          <a:bodyPr rtlCol="0" anchor="ctr"/>
+          <a:lstStyle/>
+          <a:p>
+            <a:pPr algn="ctr"/>
+            <a:endParaRPr lang="en-IN">
+              <a:solidFill>
+                <a:schemeClr val="tx1"/>
+              </a:solidFill>
+            </a:endParaRPr>
+          </a:p>
+        </p:txBody>
+      </p:sp>
+      <p:sp>
+        <p:nvSpPr>
+          <p:cNvPr id="6" name="Half Frame 5">
+            <a:extLst>
+              <a:ext uri="{FF2B5EF4-FFF2-40B4-BE49-F238E27FC236}">
+                <a16:creationId xmlns:a16="http://schemas.microsoft.com/office/drawing/2014/main" id="{8D739AB2-08CF-4359-869E-478F88A69C7D}"/>
+              </a:ext>
+            </a:extLst>
+          </p:cNvPr>
+          <p:cNvSpPr/>
+          <p:nvPr/>
+        </p:nvSpPr>
+        <p:spPr>
+          <a:xfrm rot="13639953">
+            <a:off x="2473916" y="837816"/>
+            <a:ext cx="342086" cy="920717"/>
+          </a:xfrm>
+          <a:prstGeom prst="halfFrame">
+            <a:avLst>
+              <a:gd name="adj1" fmla="val 35872"/>
+              <a:gd name="adj2" fmla="val 21290"/>
+            </a:avLst>
+          </a:prstGeom>
+          <a:solidFill>
+            <a:srgbClr val="5BFF09"/>
+          </a:solidFill>
+          <a:ln>
+            <a:solidFill>
+              <a:schemeClr val="tx1"/>
+            </a:solidFill>
+          </a:ln>
+        </p:spPr>
+        <p:style>
+          <a:lnRef idx="2">
+            <a:schemeClr val="accent1">
+              <a:shade val="50000"/>
+            </a:schemeClr>
+          </a:lnRef>
+          <a:fillRef idx="1">
+            <a:schemeClr val="accent1"/>
+          </a:fillRef>
+          <a:effectRef idx="0">
+            <a:schemeClr val="accent1"/>
+          </a:effectRef>
+          <a:fontRef idx="minor">
+            <a:schemeClr val="lt1"/>
+          </a:fontRef>
+        </p:style>
+        <p:txBody>
+          <a:bodyPr rtlCol="0" anchor="ctr"/>
+          <a:lstStyle/>
+          <a:p>
+            <a:pPr algn="ctr"/>
+            <a:endParaRPr lang="en-IN">
+              <a:solidFill>
+                <a:schemeClr val="tx1"/>
+              </a:solidFill>
+            </a:endParaRPr>
+          </a:p>
+        </p:txBody>
+      </p:sp>
+      <p:sp>
+        <p:nvSpPr>
+          <p:cNvPr id="9" name="Half Frame 8">
+            <a:extLst>
+              <a:ext uri="{FF2B5EF4-FFF2-40B4-BE49-F238E27FC236}">
+                <a16:creationId xmlns:a16="http://schemas.microsoft.com/office/drawing/2014/main" id="{4F5FD2AA-C3B5-47F8-AA7E-98E0B247DB30}"/>
+              </a:ext>
+            </a:extLst>
+          </p:cNvPr>
+          <p:cNvSpPr/>
+          <p:nvPr/>
+        </p:nvSpPr>
+        <p:spPr>
+          <a:xfrm rot="13639953">
+            <a:off x="4168189" y="837818"/>
+            <a:ext cx="342086" cy="920717"/>
+          </a:xfrm>
+          <a:prstGeom prst="halfFrame">
+            <a:avLst>
+              <a:gd name="adj1" fmla="val 35872"/>
+              <a:gd name="adj2" fmla="val 21290"/>
+            </a:avLst>
+          </a:prstGeom>
+          <a:solidFill>
+            <a:srgbClr val="5BFF09"/>
+          </a:solidFill>
+          <a:ln>
+            <a:solidFill>
+              <a:schemeClr val="tx1"/>
+            </a:solidFill>
+          </a:ln>
+        </p:spPr>
+        <p:style>
+          <a:lnRef idx="2">
+            <a:schemeClr val="accent1">
+              <a:shade val="50000"/>
+            </a:schemeClr>
+          </a:lnRef>
+          <a:fillRef idx="1">
+            <a:schemeClr val="accent1"/>
+          </a:fillRef>
+          <a:effectRef idx="0">
+            <a:schemeClr val="accent1"/>
+          </a:effectRef>
+          <a:fontRef idx="minor">
+            <a:schemeClr val="lt1"/>
+          </a:fontRef>
+        </p:style>
+        <p:txBody>
+          <a:bodyPr rtlCol="0" anchor="ctr"/>
+          <a:lstStyle/>
+          <a:p>
+            <a:pPr algn="ctr"/>
+            <a:endParaRPr lang="en-IN">
+              <a:solidFill>
+                <a:schemeClr val="tx1"/>
+              </a:solidFill>
+            </a:endParaRPr>
+          </a:p>
+        </p:txBody>
+      </p:sp>
+      <p:sp>
+        <p:nvSpPr>
+          <p:cNvPr id="10" name="Half Frame 9">
+            <a:extLst>
+              <a:ext uri="{FF2B5EF4-FFF2-40B4-BE49-F238E27FC236}">
+                <a16:creationId xmlns:a16="http://schemas.microsoft.com/office/drawing/2014/main" id="{FDC02792-2D70-4F7A-9F1B-600629D2BC3B}"/>
+              </a:ext>
+            </a:extLst>
+          </p:cNvPr>
+          <p:cNvSpPr/>
+          <p:nvPr/>
+        </p:nvSpPr>
+        <p:spPr>
+          <a:xfrm rot="13639953">
+            <a:off x="797518" y="2216673"/>
+            <a:ext cx="342086" cy="920717"/>
+          </a:xfrm>
+          <a:prstGeom prst="halfFrame">
+            <a:avLst>
+              <a:gd name="adj1" fmla="val 35872"/>
+              <a:gd name="adj2" fmla="val 21290"/>
+            </a:avLst>
+          </a:prstGeom>
+          <a:solidFill>
+            <a:srgbClr val="5BFF09"/>
+          </a:solidFill>
+          <a:ln>
+            <a:solidFill>
+              <a:schemeClr val="tx1"/>
+            </a:solidFill>
+          </a:ln>
+        </p:spPr>
+        <p:style>
+          <a:lnRef idx="2">
+            <a:schemeClr val="accent1">
+              <a:shade val="50000"/>
+            </a:schemeClr>
+          </a:lnRef>
+          <a:fillRef idx="1">
+            <a:schemeClr val="accent1"/>
+          </a:fillRef>
+          <a:effectRef idx="0">
+            <a:schemeClr val="accent1"/>
+          </a:effectRef>
+          <a:fontRef idx="minor">
+            <a:schemeClr val="lt1"/>
+          </a:fontRef>
+        </p:style>
+        <p:txBody>
+          <a:bodyPr rtlCol="0" anchor="ctr"/>
+          <a:lstStyle/>
+          <a:p>
+            <a:pPr algn="ctr"/>
+            <a:endParaRPr lang="en-IN">
+              <a:solidFill>
+                <a:schemeClr val="tx1"/>
+              </a:solidFill>
+            </a:endParaRPr>
+          </a:p>
+        </p:txBody>
+      </p:sp>
+      <p:sp>
+        <p:nvSpPr>
+          <p:cNvPr id="11" name="Half Frame 10">
+            <a:extLst>
+              <a:ext uri="{FF2B5EF4-FFF2-40B4-BE49-F238E27FC236}">
+                <a16:creationId xmlns:a16="http://schemas.microsoft.com/office/drawing/2014/main" id="{7D9FFE4F-C084-4968-A76E-524E7537DE31}"/>
+              </a:ext>
+            </a:extLst>
+          </p:cNvPr>
+          <p:cNvSpPr/>
+          <p:nvPr/>
+        </p:nvSpPr>
+        <p:spPr>
+          <a:xfrm rot="13639953">
+            <a:off x="7567887" y="837813"/>
+            <a:ext cx="342086" cy="920717"/>
+          </a:xfrm>
+          <a:prstGeom prst="halfFrame">
+            <a:avLst>
+              <a:gd name="adj1" fmla="val 35872"/>
+              <a:gd name="adj2" fmla="val 21290"/>
+            </a:avLst>
+          </a:prstGeom>
+          <a:solidFill>
+            <a:srgbClr val="5BFF09"/>
+          </a:solidFill>
+          <a:ln>
+            <a:solidFill>
+              <a:schemeClr val="tx1"/>
+            </a:solidFill>
+          </a:ln>
+        </p:spPr>
+        <p:style>
+          <a:lnRef idx="2">
+            <a:schemeClr val="accent1">
+              <a:shade val="50000"/>
+            </a:schemeClr>
+          </a:lnRef>
+          <a:fillRef idx="1">
+            <a:schemeClr val="accent1"/>
+          </a:fillRef>
+          <a:effectRef idx="0">
+            <a:schemeClr val="accent1"/>
+          </a:effectRef>
+          <a:fontRef idx="minor">
+            <a:schemeClr val="lt1"/>
+          </a:fontRef>
+        </p:style>
+        <p:txBody>
+          <a:bodyPr rtlCol="0" anchor="ctr"/>
+          <a:lstStyle/>
+          <a:p>
+            <a:pPr algn="ctr"/>
+            <a:endParaRPr lang="en-IN">
+              <a:solidFill>
+                <a:schemeClr val="tx1"/>
+              </a:solidFill>
+            </a:endParaRPr>
+          </a:p>
+        </p:txBody>
+      </p:sp>
+      <p:sp>
+        <p:nvSpPr>
+          <p:cNvPr id="12" name="Half Frame 11">
+            <a:extLst>
+              <a:ext uri="{FF2B5EF4-FFF2-40B4-BE49-F238E27FC236}">
+                <a16:creationId xmlns:a16="http://schemas.microsoft.com/office/drawing/2014/main" id="{367F2B93-C49F-4DD4-954C-2F01BA4DB87F}"/>
+              </a:ext>
+            </a:extLst>
+          </p:cNvPr>
+          <p:cNvSpPr/>
+          <p:nvPr/>
+        </p:nvSpPr>
+        <p:spPr>
+          <a:xfrm rot="13639953">
+            <a:off x="9262160" y="837815"/>
+            <a:ext cx="342086" cy="920717"/>
+          </a:xfrm>
+          <a:prstGeom prst="halfFrame">
+            <a:avLst>
+              <a:gd name="adj1" fmla="val 35872"/>
+              <a:gd name="adj2" fmla="val 21290"/>
+            </a:avLst>
+          </a:prstGeom>
+          <a:solidFill>
+            <a:srgbClr val="5BFF09"/>
+          </a:solidFill>
+          <a:ln>
+            <a:solidFill>
+              <a:schemeClr val="tx1"/>
+            </a:solidFill>
+          </a:ln>
+        </p:spPr>
+        <p:style>
+          <a:lnRef idx="2">
+            <a:schemeClr val="accent1">
+              <a:shade val="50000"/>
+            </a:schemeClr>
+          </a:lnRef>
+          <a:fillRef idx="1">
+            <a:schemeClr val="accent1"/>
+          </a:fillRef>
+          <a:effectRef idx="0">
+            <a:schemeClr val="accent1"/>
+          </a:effectRef>
+          <a:fontRef idx="minor">
+            <a:schemeClr val="lt1"/>
+          </a:fontRef>
+        </p:style>
+        <p:txBody>
+          <a:bodyPr rtlCol="0" anchor="ctr"/>
+          <a:lstStyle/>
+          <a:p>
+            <a:pPr algn="ctr"/>
+            <a:endParaRPr lang="en-IN">
+              <a:solidFill>
+                <a:schemeClr val="tx1"/>
+              </a:solidFill>
+            </a:endParaRPr>
+          </a:p>
+        </p:txBody>
+      </p:sp>
+      <p:sp>
+        <p:nvSpPr>
+          <p:cNvPr id="13" name="Half Frame 12">
+            <a:extLst>
+              <a:ext uri="{FF2B5EF4-FFF2-40B4-BE49-F238E27FC236}">
+                <a16:creationId xmlns:a16="http://schemas.microsoft.com/office/drawing/2014/main" id="{7649328F-E3A5-4E23-8B1F-51F340E690B6}"/>
+              </a:ext>
+            </a:extLst>
+          </p:cNvPr>
+          <p:cNvSpPr/>
+          <p:nvPr/>
+        </p:nvSpPr>
+        <p:spPr>
+          <a:xfrm rot="13639953">
+            <a:off x="797517" y="4945358"/>
+            <a:ext cx="342086" cy="920717"/>
+          </a:xfrm>
+          <a:prstGeom prst="halfFrame">
+            <a:avLst>
+              <a:gd name="adj1" fmla="val 35872"/>
+              <a:gd name="adj2" fmla="val 21290"/>
+            </a:avLst>
+          </a:prstGeom>
+          <a:solidFill>
+            <a:srgbClr val="5BFF09"/>
+          </a:solidFill>
+          <a:ln>
+            <a:solidFill>
+              <a:schemeClr val="tx1"/>
+            </a:solidFill>
+          </a:ln>
+        </p:spPr>
+        <p:style>
+          <a:lnRef idx="2">
+            <a:schemeClr val="accent1">
+              <a:shade val="50000"/>
+            </a:schemeClr>
+          </a:lnRef>
+          <a:fillRef idx="1">
+            <a:schemeClr val="accent1"/>
+          </a:fillRef>
+          <a:effectRef idx="0">
+            <a:schemeClr val="accent1"/>
+          </a:effectRef>
+          <a:fontRef idx="minor">
+            <a:schemeClr val="lt1"/>
+          </a:fontRef>
+        </p:style>
+        <p:txBody>
+          <a:bodyPr rtlCol="0" anchor="ctr"/>
+          <a:lstStyle/>
+          <a:p>
+            <a:pPr algn="ctr"/>
+            <a:endParaRPr lang="en-IN">
+              <a:solidFill>
+                <a:schemeClr val="tx1"/>
+              </a:solidFill>
+            </a:endParaRPr>
+          </a:p>
+        </p:txBody>
+      </p:sp>
+      <p:sp>
+        <p:nvSpPr>
+          <p:cNvPr id="2" name="TextBox 1">
+            <a:extLst>
+              <a:ext uri="{FF2B5EF4-FFF2-40B4-BE49-F238E27FC236}">
+                <a16:creationId xmlns:a16="http://schemas.microsoft.com/office/drawing/2014/main" id="{9FB32EED-8132-4579-BF99-9DE438393085}"/>
+              </a:ext>
+            </a:extLst>
+          </p:cNvPr>
+          <p:cNvSpPr txBox="1"/>
+          <p:nvPr/>
+        </p:nvSpPr>
+        <p:spPr>
+          <a:xfrm>
+            <a:off x="3871502" y="3810541"/>
+            <a:ext cx="1096198" cy="461665"/>
+          </a:xfrm>
+          <a:prstGeom prst="rect">
+            <a:avLst/>
+          </a:prstGeom>
+          <a:noFill/>
+        </p:spPr>
+        <p:txBody>
+          <a:bodyPr wrap="none" rtlCol="0">
+            <a:spAutoFit/>
+          </a:bodyPr>
+          <a:lstStyle/>
+          <a:p>
+            <a:r>
+              <a:rPr lang="en-IN" sz="2400" b="1" dirty="0">
+                <a:solidFill>
+                  <a:srgbClr val="5BFF09"/>
+                </a:solidFill>
+              </a:rPr>
+              <a:t>PHOTO</a:t>
+            </a:r>
+          </a:p>
+        </p:txBody>
+      </p:sp>
+      <p:sp>
+        <p:nvSpPr>
+          <p:cNvPr id="14" name="TextBox 13">
+            <a:extLst>
+              <a:ext uri="{FF2B5EF4-FFF2-40B4-BE49-F238E27FC236}">
+                <a16:creationId xmlns:a16="http://schemas.microsoft.com/office/drawing/2014/main" id="{FA226D1D-A931-45E7-B133-595909789885}"/>
+              </a:ext>
+            </a:extLst>
+          </p:cNvPr>
+          <p:cNvSpPr txBox="1"/>
+          <p:nvPr/>
+        </p:nvSpPr>
+        <p:spPr>
+          <a:xfrm>
+            <a:off x="5547901" y="3842712"/>
+            <a:ext cx="1096198" cy="461665"/>
+          </a:xfrm>
+          <a:prstGeom prst="rect">
+            <a:avLst/>
+          </a:prstGeom>
+          <a:noFill/>
+        </p:spPr>
+        <p:txBody>
+          <a:bodyPr wrap="none" rtlCol="0">
+            <a:spAutoFit/>
+          </a:bodyPr>
+          <a:lstStyle/>
+          <a:p>
+            <a:r>
+              <a:rPr lang="en-IN" sz="2400" b="1" dirty="0">
+                <a:solidFill>
+                  <a:srgbClr val="5BFF09"/>
+                </a:solidFill>
+              </a:rPr>
+              <a:t>PHOTO</a:t>
+            </a:r>
+          </a:p>
+        </p:txBody>
+      </p:sp>
+      <p:sp>
+        <p:nvSpPr>
+          <p:cNvPr id="15" name="TextBox 14">
+            <a:extLst>
+              <a:ext uri="{FF2B5EF4-FFF2-40B4-BE49-F238E27FC236}">
+                <a16:creationId xmlns:a16="http://schemas.microsoft.com/office/drawing/2014/main" id="{ECFC54F9-E9A4-4AF8-9F92-25D37B97C96E}"/>
+              </a:ext>
+            </a:extLst>
+          </p:cNvPr>
+          <p:cNvSpPr txBox="1"/>
+          <p:nvPr/>
+        </p:nvSpPr>
+        <p:spPr>
+          <a:xfrm>
+            <a:off x="479629" y="3810541"/>
+            <a:ext cx="1096198" cy="461665"/>
+          </a:xfrm>
+          <a:prstGeom prst="rect">
+            <a:avLst/>
+          </a:prstGeom>
+          <a:noFill/>
+        </p:spPr>
+        <p:txBody>
+          <a:bodyPr wrap="none" rtlCol="0">
+            <a:spAutoFit/>
+          </a:bodyPr>
+          <a:lstStyle/>
+          <a:p>
+            <a:r>
+              <a:rPr lang="en-IN" sz="2400" b="1" dirty="0">
+                <a:solidFill>
+                  <a:srgbClr val="5BFF09"/>
+                </a:solidFill>
+              </a:rPr>
+              <a:t>PHOTO</a:t>
+            </a:r>
+          </a:p>
+        </p:txBody>
+      </p:sp>
+      <p:sp>
+        <p:nvSpPr>
+          <p:cNvPr id="16" name="TextBox 15">
+            <a:extLst>
+              <a:ext uri="{FF2B5EF4-FFF2-40B4-BE49-F238E27FC236}">
+                <a16:creationId xmlns:a16="http://schemas.microsoft.com/office/drawing/2014/main" id="{D3C1835D-8FC0-496D-AC73-88E11EEDC7E9}"/>
+              </a:ext>
+            </a:extLst>
+          </p:cNvPr>
+          <p:cNvSpPr txBox="1"/>
+          <p:nvPr/>
+        </p:nvSpPr>
+        <p:spPr>
+          <a:xfrm>
+            <a:off x="2156028" y="3842712"/>
+            <a:ext cx="1096198" cy="461665"/>
+          </a:xfrm>
+          <a:prstGeom prst="rect">
+            <a:avLst/>
+          </a:prstGeom>
+          <a:noFill/>
+        </p:spPr>
+        <p:txBody>
+          <a:bodyPr wrap="none" rtlCol="0">
+            <a:spAutoFit/>
+          </a:bodyPr>
+          <a:lstStyle/>
+          <a:p>
+            <a:r>
+              <a:rPr lang="en-IN" sz="2400" b="1" dirty="0">
+                <a:solidFill>
+                  <a:srgbClr val="5BFF09"/>
+                </a:solidFill>
+              </a:rPr>
+              <a:t>PHOTO</a:t>
+            </a:r>
+          </a:p>
+        </p:txBody>
+      </p:sp>
+      <p:sp>
+        <p:nvSpPr>
+          <p:cNvPr id="17" name="TextBox 16">
+            <a:extLst>
+              <a:ext uri="{FF2B5EF4-FFF2-40B4-BE49-F238E27FC236}">
+                <a16:creationId xmlns:a16="http://schemas.microsoft.com/office/drawing/2014/main" id="{D61579AB-3415-48D5-9375-70FF959C2A96}"/>
+              </a:ext>
+            </a:extLst>
+          </p:cNvPr>
+          <p:cNvSpPr txBox="1"/>
+          <p:nvPr/>
+        </p:nvSpPr>
+        <p:spPr>
+          <a:xfrm>
+            <a:off x="7213068" y="2482074"/>
+            <a:ext cx="1096198" cy="461665"/>
+          </a:xfrm>
+          <a:prstGeom prst="rect">
+            <a:avLst/>
+          </a:prstGeom>
+          <a:noFill/>
+        </p:spPr>
+        <p:txBody>
+          <a:bodyPr wrap="none" rtlCol="0">
+            <a:spAutoFit/>
+          </a:bodyPr>
+          <a:lstStyle/>
+          <a:p>
+            <a:r>
+              <a:rPr lang="en-IN" sz="2400" b="1" dirty="0">
+                <a:solidFill>
+                  <a:srgbClr val="5BFF09"/>
+                </a:solidFill>
+              </a:rPr>
+              <a:t>PHOTO</a:t>
+            </a:r>
+          </a:p>
+        </p:txBody>
+      </p:sp>
+      <p:sp>
+        <p:nvSpPr>
+          <p:cNvPr id="18" name="TextBox 17">
+            <a:extLst>
+              <a:ext uri="{FF2B5EF4-FFF2-40B4-BE49-F238E27FC236}">
+                <a16:creationId xmlns:a16="http://schemas.microsoft.com/office/drawing/2014/main" id="{B56C44FA-62E0-4F69-A3EA-BFBBA0ECEC09}"/>
+              </a:ext>
+            </a:extLst>
+          </p:cNvPr>
+          <p:cNvSpPr txBox="1"/>
+          <p:nvPr/>
+        </p:nvSpPr>
+        <p:spPr>
+          <a:xfrm>
+            <a:off x="8889467" y="2514245"/>
+            <a:ext cx="1096198" cy="461665"/>
+          </a:xfrm>
+          <a:prstGeom prst="rect">
+            <a:avLst/>
+          </a:prstGeom>
+          <a:noFill/>
+        </p:spPr>
+        <p:txBody>
+          <a:bodyPr wrap="none" rtlCol="0">
+            <a:spAutoFit/>
+          </a:bodyPr>
+          <a:lstStyle/>
+          <a:p>
+            <a:r>
+              <a:rPr lang="en-IN" sz="2400" b="1" dirty="0">
+                <a:solidFill>
+                  <a:srgbClr val="5BFF09"/>
+                </a:solidFill>
+              </a:rPr>
+              <a:t>PHOTO</a:t>
+            </a:r>
+          </a:p>
+        </p:txBody>
+      </p:sp>
+      <p:sp>
+        <p:nvSpPr>
+          <p:cNvPr id="19" name="TextBox 18">
+            <a:extLst>
+              <a:ext uri="{FF2B5EF4-FFF2-40B4-BE49-F238E27FC236}">
+                <a16:creationId xmlns:a16="http://schemas.microsoft.com/office/drawing/2014/main" id="{01D4EECB-8148-4E09-996F-B0AA3697ED3E}"/>
+              </a:ext>
+            </a:extLst>
+          </p:cNvPr>
+          <p:cNvSpPr txBox="1"/>
+          <p:nvPr/>
+        </p:nvSpPr>
+        <p:spPr>
+          <a:xfrm>
+            <a:off x="3831514" y="5225274"/>
+            <a:ext cx="1096198" cy="461665"/>
+          </a:xfrm>
+          <a:prstGeom prst="rect">
+            <a:avLst/>
+          </a:prstGeom>
+          <a:noFill/>
+        </p:spPr>
+        <p:txBody>
+          <a:bodyPr wrap="none" rtlCol="0">
+            <a:spAutoFit/>
+          </a:bodyPr>
+          <a:lstStyle/>
+          <a:p>
+            <a:r>
+              <a:rPr lang="en-IN" sz="2400" b="1" dirty="0">
+                <a:solidFill>
+                  <a:srgbClr val="5BFF09"/>
+                </a:solidFill>
+              </a:rPr>
+              <a:t>PHOTO</a:t>
+            </a:r>
+          </a:p>
+        </p:txBody>
+      </p:sp>
+      <p:sp>
+        <p:nvSpPr>
+          <p:cNvPr id="20" name="TextBox 19">
+            <a:extLst>
+              <a:ext uri="{FF2B5EF4-FFF2-40B4-BE49-F238E27FC236}">
+                <a16:creationId xmlns:a16="http://schemas.microsoft.com/office/drawing/2014/main" id="{D021ABB6-CF32-43E4-B253-906C4948B2E6}"/>
+              </a:ext>
+            </a:extLst>
+          </p:cNvPr>
+          <p:cNvSpPr txBox="1"/>
+          <p:nvPr/>
+        </p:nvSpPr>
+        <p:spPr>
+          <a:xfrm>
+            <a:off x="5507913" y="5257445"/>
+            <a:ext cx="1096198" cy="461665"/>
+          </a:xfrm>
+          <a:prstGeom prst="rect">
+            <a:avLst/>
+          </a:prstGeom>
+          <a:noFill/>
+        </p:spPr>
+        <p:txBody>
+          <a:bodyPr wrap="none" rtlCol="0">
+            <a:spAutoFit/>
+          </a:bodyPr>
+          <a:lstStyle/>
+          <a:p>
+            <a:r>
+              <a:rPr lang="en-IN" sz="2400" b="1" dirty="0">
+                <a:solidFill>
+                  <a:srgbClr val="5BFF09"/>
+                </a:solidFill>
+              </a:rPr>
+              <a:t>PHOTO</a:t>
+            </a:r>
+          </a:p>
+        </p:txBody>
+      </p:sp>
+      <p:sp>
+        <p:nvSpPr>
+          <p:cNvPr id="21" name="TextBox 20">
+            <a:extLst>
+              <a:ext uri="{FF2B5EF4-FFF2-40B4-BE49-F238E27FC236}">
+                <a16:creationId xmlns:a16="http://schemas.microsoft.com/office/drawing/2014/main" id="{E0C69AF0-890C-4676-9CD1-5A5D71657AE0}"/>
+              </a:ext>
+            </a:extLst>
+          </p:cNvPr>
+          <p:cNvSpPr txBox="1"/>
+          <p:nvPr/>
+        </p:nvSpPr>
+        <p:spPr>
+          <a:xfrm>
+            <a:off x="2096860" y="5225274"/>
+            <a:ext cx="1096198" cy="461665"/>
+          </a:xfrm>
+          <a:prstGeom prst="rect">
+            <a:avLst/>
+          </a:prstGeom>
+          <a:noFill/>
+        </p:spPr>
+        <p:txBody>
+          <a:bodyPr wrap="none" rtlCol="0">
+            <a:spAutoFit/>
+          </a:bodyPr>
+          <a:lstStyle/>
+          <a:p>
+            <a:r>
+              <a:rPr lang="en-IN" sz="2400" b="1" dirty="0">
+                <a:solidFill>
+                  <a:srgbClr val="5BFF09"/>
+                </a:solidFill>
+              </a:rPr>
+              <a:t>PHOTO</a:t>
+            </a:r>
+          </a:p>
+        </p:txBody>
+      </p:sp>
+      <p:sp>
+        <p:nvSpPr>
+          <p:cNvPr id="22" name="TextBox 21">
+            <a:extLst>
+              <a:ext uri="{FF2B5EF4-FFF2-40B4-BE49-F238E27FC236}">
+                <a16:creationId xmlns:a16="http://schemas.microsoft.com/office/drawing/2014/main" id="{FA7D8DB2-101F-4469-B503-97FCAE99322B}"/>
+              </a:ext>
+            </a:extLst>
+          </p:cNvPr>
+          <p:cNvSpPr txBox="1"/>
+          <p:nvPr/>
+        </p:nvSpPr>
+        <p:spPr>
+          <a:xfrm>
+            <a:off x="7224300" y="3857630"/>
+            <a:ext cx="1096198" cy="461665"/>
+          </a:xfrm>
+          <a:prstGeom prst="rect">
+            <a:avLst/>
+          </a:prstGeom>
+          <a:noFill/>
+        </p:spPr>
+        <p:txBody>
+          <a:bodyPr wrap="none" rtlCol="0">
+            <a:spAutoFit/>
+          </a:bodyPr>
+          <a:lstStyle/>
+          <a:p>
+            <a:r>
+              <a:rPr lang="en-IN" sz="2400" b="1" dirty="0">
+                <a:solidFill>
+                  <a:srgbClr val="5BFF09"/>
+                </a:solidFill>
+              </a:rPr>
+              <a:t>PHOTO</a:t>
+            </a:r>
+          </a:p>
+        </p:txBody>
+      </p:sp>
+      <p:sp>
+        <p:nvSpPr>
+          <p:cNvPr id="23" name="TextBox 22">
+            <a:extLst>
+              <a:ext uri="{FF2B5EF4-FFF2-40B4-BE49-F238E27FC236}">
+                <a16:creationId xmlns:a16="http://schemas.microsoft.com/office/drawing/2014/main" id="{F59F68E6-18C6-452E-89A7-0639A55AE3C2}"/>
+              </a:ext>
+            </a:extLst>
+          </p:cNvPr>
+          <p:cNvSpPr txBox="1"/>
+          <p:nvPr/>
+        </p:nvSpPr>
+        <p:spPr>
+          <a:xfrm>
+            <a:off x="8900699" y="3889801"/>
+            <a:ext cx="1096198" cy="461665"/>
+          </a:xfrm>
+          <a:prstGeom prst="rect">
+            <a:avLst/>
+          </a:prstGeom>
+          <a:noFill/>
+        </p:spPr>
+        <p:txBody>
+          <a:bodyPr wrap="none" rtlCol="0">
+            <a:spAutoFit/>
+          </a:bodyPr>
+          <a:lstStyle/>
+          <a:p>
+            <a:r>
+              <a:rPr lang="en-IN" sz="2400" b="1" dirty="0">
+                <a:solidFill>
+                  <a:srgbClr val="5BFF09"/>
+                </a:solidFill>
+              </a:rPr>
+              <a:t>PHOTO</a:t>
+            </a:r>
+          </a:p>
+        </p:txBody>
+      </p:sp>
+      <p:sp>
+        <p:nvSpPr>
+          <p:cNvPr id="24" name="TextBox 23">
+            <a:extLst>
+              <a:ext uri="{FF2B5EF4-FFF2-40B4-BE49-F238E27FC236}">
+                <a16:creationId xmlns:a16="http://schemas.microsoft.com/office/drawing/2014/main" id="{381750E7-3B26-4DDF-93BB-F9F03EC118B5}"/>
+              </a:ext>
+            </a:extLst>
+          </p:cNvPr>
+          <p:cNvSpPr txBox="1"/>
+          <p:nvPr/>
+        </p:nvSpPr>
+        <p:spPr>
+          <a:xfrm>
+            <a:off x="2156028" y="2514245"/>
+            <a:ext cx="1096198" cy="461665"/>
+          </a:xfrm>
+          <a:prstGeom prst="rect">
+            <a:avLst/>
+          </a:prstGeom>
+          <a:noFill/>
+        </p:spPr>
+        <p:txBody>
+          <a:bodyPr wrap="none" rtlCol="0">
+            <a:spAutoFit/>
+          </a:bodyPr>
+          <a:lstStyle/>
+          <a:p>
+            <a:r>
+              <a:rPr lang="en-IN" sz="2400" b="1" dirty="0">
+                <a:solidFill>
+                  <a:srgbClr val="5BFF09"/>
+                </a:solidFill>
+              </a:rPr>
+              <a:t>PHOTO</a:t>
+            </a:r>
+          </a:p>
+        </p:txBody>
+      </p:sp>
+    </p:spTree>
+    <p:extLst>
+      <p:ext uri="{BB962C8B-B14F-4D97-AF65-F5344CB8AC3E}">
+        <p14:creationId xmlns:p14="http://schemas.microsoft.com/office/powerpoint/2010/main" val="889895410"/>
+      </p:ext>
+    </p:extLst>
+  </p:cSld>
+  <p:clrMapOvr>
+    <a:masterClrMapping/>
+  </p:clrMapOvr>
+</p:sld>
+</file>
+
 <file path=ppt/theme/theme1.xml><?xml version="1.0" encoding="utf-8"?>
 <a:theme xmlns:a="http://schemas.openxmlformats.org/drawingml/2006/main" name="Office Theme">
   <a:themeElements>
